--- a/Your journey_Project.pptx
+++ b/Your journey_Project.pptx
@@ -22458,7 +22458,7 @@
         <p:spPr>
           <a:xfrm>
             <a:off x="5348899" y="3277832"/>
-            <a:ext cx="2844289" cy="578850"/>
+            <a:ext cx="2982301" cy="578850"/>
           </a:xfrm>
           <a:prstGeom prst="rect">
             <a:avLst/>
@@ -22472,7 +22472,22 @@
           <a:p>
             <a:pPr marL="0" indent="0"/>
             <a:r>
-              <a:rPr lang="fr-FR" sz="1400" dirty="0"/>
+              <a:rPr lang="fr-FR" sz="1400" b="1" dirty="0">
+                <a:solidFill>
+                  <a:schemeClr val="accent1">
+                    <a:lumMod val="50000"/>
+                  </a:schemeClr>
+                </a:solidFill>
+                <a:latin typeface="Arial" panose="020B0604020202020204" pitchFamily="34" charset="0"/>
+                <a:cs typeface="Arial" panose="020B0604020202020204" pitchFamily="34" charset="0"/>
+              </a:rPr>
+              <a:t>SHOULD - </a:t>
+            </a:r>
+            <a:r>
+              <a:rPr lang="fr-FR" sz="1400" dirty="0">
+                <a:latin typeface="Arial" panose="020B0604020202020204" pitchFamily="34" charset="0"/>
+                <a:cs typeface="Arial" panose="020B0604020202020204" pitchFamily="34" charset="0"/>
+              </a:rPr>
               <a:t>Phase de visualisation du contenu (non encore publié).</a:t>
             </a:r>
           </a:p>
@@ -22486,7 +22501,10 @@
               </a:spcAft>
               <a:buNone/>
             </a:pPr>
-            <a:endParaRPr dirty="0"/>
+            <a:endParaRPr dirty="0">
+              <a:latin typeface="Arial" panose="020B0604020202020204" pitchFamily="34" charset="0"/>
+              <a:cs typeface="Arial" panose="020B0604020202020204" pitchFamily="34" charset="0"/>
+            </a:endParaRPr>
           </a:p>
         </p:txBody>
       </p:sp>
@@ -22517,7 +22535,21 @@
           <a:p>
             <a:pPr marL="0" indent="0"/>
             <a:r>
-              <a:rPr lang="fr-FR" sz="1400" dirty="0"/>
+              <a:rPr lang="fr-FR" sz="1400" b="1" dirty="0">
+                <a:solidFill>
+                  <a:schemeClr val="accent1">
+                    <a:lumMod val="50000"/>
+                  </a:schemeClr>
+                </a:solidFill>
+                <a:latin typeface="+mj-lt"/>
+              </a:rPr>
+              <a:t>MUST - </a:t>
+            </a:r>
+            <a:r>
+              <a:rPr lang="fr-FR" sz="1400" dirty="0">
+                <a:latin typeface="Arial" panose="020B0604020202020204" pitchFamily="34" charset="0"/>
+                <a:cs typeface="Arial" panose="020B0604020202020204" pitchFamily="34" charset="0"/>
+              </a:rPr>
               <a:t>Mise en ligne du contenu. </a:t>
             </a:r>
           </a:p>
@@ -22531,7 +22563,10 @@
               </a:spcAft>
               <a:buNone/>
             </a:pPr>
-            <a:endParaRPr dirty="0"/>
+            <a:endParaRPr dirty="0">
+              <a:latin typeface="Arial" panose="020B0604020202020204" pitchFamily="34" charset="0"/>
+              <a:cs typeface="Arial" panose="020B0604020202020204" pitchFamily="34" charset="0"/>
+            </a:endParaRPr>
           </a:p>
         </p:txBody>
       </p:sp>
@@ -23088,17 +23123,38 @@
           <a:p>
             <a:pPr marL="0" indent="0"/>
             <a:r>
-              <a:rPr lang="fr-FR" sz="1400" dirty="0"/>
+              <a:rPr lang="fr-FR" b="1" dirty="0">
+                <a:solidFill>
+                  <a:schemeClr val="accent1">
+                    <a:lumMod val="50000"/>
+                  </a:schemeClr>
+                </a:solidFill>
+                <a:latin typeface="Arial" panose="020B0604020202020204" pitchFamily="34" charset="0"/>
+                <a:cs typeface="Arial" panose="020B0604020202020204" pitchFamily="34" charset="0"/>
+              </a:rPr>
+              <a:t>COULD - </a:t>
+            </a:r>
+            <a:r>
+              <a:rPr lang="fr-FR" sz="1400" dirty="0">
+                <a:latin typeface="Arial" panose="020B0604020202020204" pitchFamily="34" charset="0"/>
+                <a:cs typeface="Arial" panose="020B0604020202020204" pitchFamily="34" charset="0"/>
+              </a:rPr>
               <a:t>Traduction en anglais des contenus. </a:t>
             </a:r>
           </a:p>
           <a:p>
             <a:pPr marL="0" indent="0"/>
-            <a:endParaRPr lang="fr-FR" dirty="0"/>
+            <a:endParaRPr lang="fr-FR" dirty="0">
+              <a:latin typeface="Arial" panose="020B0604020202020204" pitchFamily="34" charset="0"/>
+              <a:cs typeface="Arial" panose="020B0604020202020204" pitchFamily="34" charset="0"/>
+            </a:endParaRPr>
           </a:p>
           <a:p>
             <a:pPr marL="0" indent="0"/>
-            <a:endParaRPr lang="fr-FR" dirty="0"/>
+            <a:endParaRPr lang="fr-FR" dirty="0">
+              <a:latin typeface="Arial" panose="020B0604020202020204" pitchFamily="34" charset="0"/>
+              <a:cs typeface="Arial" panose="020B0604020202020204" pitchFamily="34" charset="0"/>
+            </a:endParaRPr>
           </a:p>
         </p:txBody>
       </p:sp>
@@ -23229,8 +23285,8 @@
         </p:nvSpPr>
         <p:spPr>
           <a:xfrm>
-            <a:off x="1220065" y="4125468"/>
-            <a:ext cx="2844289" cy="796488"/>
+            <a:off x="1135675" y="4019802"/>
+            <a:ext cx="3348404" cy="796488"/>
           </a:xfrm>
           <a:prstGeom prst="rect">
             <a:avLst/>
@@ -23494,7 +23550,22 @@
           <a:p>
             <a:pPr marL="0" indent="0"/>
             <a:r>
-              <a:rPr lang="fr-FR" dirty="0"/>
+              <a:rPr lang="fr-FR" b="1" dirty="0">
+                <a:solidFill>
+                  <a:schemeClr val="accent1">
+                    <a:lumMod val="50000"/>
+                  </a:schemeClr>
+                </a:solidFill>
+                <a:latin typeface="Arial" panose="020B0604020202020204" pitchFamily="34" charset="0"/>
+                <a:cs typeface="Arial" panose="020B0604020202020204" pitchFamily="34" charset="0"/>
+              </a:rPr>
+              <a:t>SHOULD - </a:t>
+            </a:r>
+            <a:r>
+              <a:rPr lang="fr-FR" dirty="0">
+                <a:latin typeface="Arial" panose="020B0604020202020204" pitchFamily="34" charset="0"/>
+                <a:cs typeface="Arial" panose="020B0604020202020204" pitchFamily="34" charset="0"/>
+              </a:rPr>
               <a:t>Classification des contenus par nombre des visualisations sur la page d’arrivée de la recherche.  </a:t>
             </a:r>
           </a:p>
@@ -23516,7 +23587,7 @@
         </p:nvSpPr>
         <p:spPr>
           <a:xfrm>
-            <a:off x="5482054" y="1315847"/>
+            <a:off x="5470765" y="1315847"/>
             <a:ext cx="3074923" cy="460200"/>
           </a:xfrm>
           <a:prstGeom prst="rect">
@@ -23781,7 +23852,20 @@
           <a:p>
             <a:pPr marL="0" indent="0"/>
             <a:r>
-              <a:rPr lang="fr-FR" dirty="0"/>
+              <a:rPr lang="fr-FR" b="1" dirty="0">
+                <a:solidFill>
+                  <a:schemeClr val="accent1">
+                    <a:lumMod val="50000"/>
+                  </a:schemeClr>
+                </a:solidFill>
+                <a:latin typeface="+mj-lt"/>
+              </a:rPr>
+              <a:t>MUST - </a:t>
+            </a:r>
+            <a:r>
+              <a:rPr lang="fr-FR" dirty="0">
+                <a:latin typeface="+mj-lt"/>
+              </a:rPr>
               <a:t>Création, mise à jour, suppression des contenus. </a:t>
             </a:r>
           </a:p>
@@ -24401,27 +24485,51 @@
           <a:p>
             <a:pPr marL="0" indent="0"/>
             <a:r>
-              <a:rPr lang="fr-FR" dirty="0"/>
+              <a:rPr lang="fr-FR" b="1" dirty="0">
+                <a:solidFill>
+                  <a:schemeClr val="accent1">
+                    <a:lumMod val="50000"/>
+                  </a:schemeClr>
+                </a:solidFill>
+                <a:latin typeface="Arial" panose="020B0604020202020204" pitchFamily="34" charset="0"/>
+                <a:cs typeface="Arial" panose="020B0604020202020204" pitchFamily="34" charset="0"/>
+              </a:rPr>
+              <a:t>MUST - </a:t>
+            </a:r>
+            <a:r>
+              <a:rPr lang="fr-FR" dirty="0">
+                <a:latin typeface="Arial" panose="020B0604020202020204" pitchFamily="34" charset="0"/>
+                <a:cs typeface="Arial" panose="020B0604020202020204" pitchFamily="34" charset="0"/>
+              </a:rPr>
               <a:t>Sélection des contenus par rapport au sujet clé recherché : </a:t>
             </a:r>
           </a:p>
           <a:p>
             <a:pPr marL="0" indent="0"/>
             <a:r>
-              <a:rPr lang="fr-FR" dirty="0"/>
+              <a:rPr lang="fr-FR" dirty="0">
+                <a:latin typeface="Arial" panose="020B0604020202020204" pitchFamily="34" charset="0"/>
+                <a:cs typeface="Arial" panose="020B0604020202020204" pitchFamily="34" charset="0"/>
+              </a:rPr>
               <a:t>=&gt; recherche générale par endroit (informations obligatoires « * » : ville, pays) ;</a:t>
             </a:r>
           </a:p>
           <a:p>
             <a:pPr marL="0" indent="0"/>
             <a:r>
-              <a:rPr lang="fr-FR" dirty="0"/>
+              <a:rPr lang="fr-FR" dirty="0">
+                <a:latin typeface="Arial" panose="020B0604020202020204" pitchFamily="34" charset="0"/>
+                <a:cs typeface="Arial" panose="020B0604020202020204" pitchFamily="34" charset="0"/>
+              </a:rPr>
               <a:t>=&gt; recherche avancée (informations obligatoires « * » : ville, pays + activité spécifique).. </a:t>
             </a:r>
           </a:p>
           <a:p>
             <a:pPr marL="0" indent="0"/>
-            <a:endParaRPr lang="fr-FR" dirty="0"/>
+            <a:endParaRPr lang="fr-FR" dirty="0">
+              <a:latin typeface="Arial" panose="020B0604020202020204" pitchFamily="34" charset="0"/>
+              <a:cs typeface="Arial" panose="020B0604020202020204" pitchFamily="34" charset="0"/>
+            </a:endParaRPr>
           </a:p>
         </p:txBody>
       </p:sp>
@@ -24817,7 +24925,22 @@
           <a:p>
             <a:pPr marL="0" indent="0"/>
             <a:r>
-              <a:rPr lang="fr-FR" dirty="0"/>
+              <a:rPr lang="fr-FR" b="1" dirty="0">
+                <a:solidFill>
+                  <a:schemeClr val="accent1">
+                    <a:lumMod val="50000"/>
+                  </a:schemeClr>
+                </a:solidFill>
+                <a:latin typeface="Arial" panose="020B0604020202020204" pitchFamily="34" charset="0"/>
+                <a:cs typeface="Arial" panose="020B0604020202020204" pitchFamily="34" charset="0"/>
+              </a:rPr>
+              <a:t>MUST - </a:t>
+            </a:r>
+            <a:r>
+              <a:rPr lang="fr-FR" dirty="0">
+                <a:latin typeface="Arial" panose="020B0604020202020204" pitchFamily="34" charset="0"/>
+                <a:cs typeface="Arial" panose="020B0604020202020204" pitchFamily="34" charset="0"/>
+              </a:rPr>
               <a:t>Inscription / connexion.</a:t>
             </a:r>
           </a:p>
@@ -25923,7 +26046,7 @@
           <a:p>
             <a:pPr marL="127000" indent="0"/>
             <a:r>
-              <a:rPr lang="fr-FR" dirty="0"/>
+              <a:rPr lang="fr-FR" sz="1200" dirty="0"/>
               <a:t>Manque de messagerie privée.</a:t>
             </a:r>
           </a:p>
@@ -25937,7 +26060,7 @@
               </a:spcAft>
               <a:buNone/>
             </a:pPr>
-            <a:endParaRPr dirty="0"/>
+            <a:endParaRPr sz="1200" dirty="0"/>
           </a:p>
         </p:txBody>
       </p:sp>
@@ -26116,7 +26239,7 @@
         </p:nvSpPr>
         <p:spPr>
           <a:xfrm>
-            <a:off x="520990" y="3123106"/>
+            <a:off x="520990" y="3075081"/>
             <a:ext cx="3709425" cy="578850"/>
           </a:xfrm>
           <a:prstGeom prst="rect">
@@ -26381,10 +26504,9 @@
           <a:p>
             <a:pPr marL="127000" indent="0" algn="just"/>
             <a:r>
-              <a:rPr lang="fr-FR" dirty="0"/>
-              <a:t>Risque que la base des donnée ralentit s’il y avait beaucoup d’inscrits. Il faudra l’optimiser le cas échéant. </a:t>
+              <a:rPr lang="fr-FR" sz="1200" dirty="0"/>
+              <a:t>Risque que la base des donnée ralentit s’il y avait beaucoup d’inscrits.</a:t>
             </a:r>
-            <a:endParaRPr lang="fr-FR" sz="1800" dirty="0"/>
           </a:p>
         </p:txBody>
       </p:sp>
@@ -26404,8 +26526,8 @@
         </p:nvSpPr>
         <p:spPr>
           <a:xfrm>
-            <a:off x="4828347" y="1388735"/>
-            <a:ext cx="4073698" cy="1463163"/>
+            <a:off x="4828347" y="1340710"/>
+            <a:ext cx="3668552" cy="1463163"/>
           </a:xfrm>
           <a:prstGeom prst="rect">
             <a:avLst/>
@@ -26669,20 +26791,20 @@
           <a:p>
             <a:pPr marL="0" indent="0" algn="just"/>
             <a:r>
-              <a:rPr lang="fr-FR" dirty="0"/>
-              <a:t>Une limite est l’espace à disposition pour l’ajout des contenus. L’idée de base de ce blog est celle de fournir un site gratuit, bénévole et de partage désintéressé. </a:t>
+              <a:rPr lang="fr-FR" sz="1200" dirty="0"/>
+              <a:t>L’espace à disposition pour l’ajout des contenus. L’idée de base de ce blog est celle de fournir un site gratuit, bénévole et de partage désintéressé. </a:t>
             </a:r>
           </a:p>
           <a:p>
             <a:pPr marL="0" indent="0" algn="just"/>
             <a:r>
-              <a:rPr lang="fr-FR" dirty="0"/>
+              <a:rPr lang="fr-FR" sz="1200" dirty="0"/>
               <a:t>Mais sans un support financer il serait difficile que le site puisse s’agrandir. </a:t>
             </a:r>
           </a:p>
           <a:p>
             <a:pPr marL="0" indent="0" algn="just"/>
-            <a:endParaRPr lang="fr-FR" dirty="0"/>
+            <a:endParaRPr lang="fr-FR" sz="1200" dirty="0"/>
           </a:p>
         </p:txBody>
       </p:sp>
@@ -26924,7 +27046,7 @@
         </p:nvSpPr>
         <p:spPr>
           <a:xfrm>
-            <a:off x="526080" y="1379337"/>
+            <a:off x="526080" y="1331312"/>
             <a:ext cx="3668552" cy="1725963"/>
           </a:xfrm>
           <a:prstGeom prst="rect">
@@ -27189,15 +27311,15 @@
           <a:p>
             <a:pPr marL="127000" indent="0" algn="just"/>
             <a:r>
-              <a:rPr lang="fr-FR" dirty="0"/>
-              <a:t>Il se peut que l’expérience de partage ne soit pas plus agréable que celle offerte par des plateformes importantes (Instagram, </a:t>
+              <a:rPr lang="fr-FR" sz="1200" dirty="0"/>
+              <a:t>Expérience de partage pas plus agréable que celle offerte par des plateformes importantes (Instagram, </a:t>
             </a:r>
             <a:r>
-              <a:rPr lang="fr-FR" dirty="0" err="1"/>
+              <a:rPr lang="fr-FR" sz="1200" dirty="0" err="1"/>
               <a:t>FaceBook</a:t>
             </a:r>
             <a:r>
-              <a:rPr lang="fr-FR" dirty="0"/>
+              <a:rPr lang="fr-FR" sz="1200" dirty="0"/>
               <a:t>, …) et que cependant il n’y ait pas assez d’inscrits pour rendre le site intéressant et varié</a:t>
             </a:r>
           </a:p>
@@ -27352,7 +27474,7 @@
         </p:nvSpPr>
         <p:spPr>
           <a:xfrm>
-            <a:off x="2896024" y="1308789"/>
+            <a:off x="2737978" y="1308789"/>
             <a:ext cx="3727765" cy="3367986"/>
           </a:xfrm>
           <a:prstGeom prst="ellipse">
@@ -27463,7 +27585,7 @@
         </p:nvGrpSpPr>
         <p:grpSpPr>
           <a:xfrm rot="-724352">
-            <a:off x="3598830" y="2428821"/>
+            <a:off x="3440784" y="2428821"/>
             <a:ext cx="214255" cy="196634"/>
             <a:chOff x="-65131525" y="1914325"/>
             <a:chExt cx="316650" cy="316625"/>
@@ -27738,7 +27860,7 @@
         </p:nvSpPr>
         <p:spPr>
           <a:xfrm rot="611820">
-            <a:off x="5129437" y="2425530"/>
+            <a:off x="4971391" y="2425530"/>
             <a:ext cx="197040" cy="180835"/>
           </a:xfrm>
           <a:custGeom>
@@ -28003,7 +28125,7 @@
         </p:blipFill>
         <p:spPr>
           <a:xfrm flipH="1">
-            <a:off x="6098798" y="1850472"/>
+            <a:off x="5940752" y="1850472"/>
             <a:ext cx="749998" cy="795215"/>
           </a:xfrm>
           <a:prstGeom prst="rect">
@@ -28039,7 +28161,7 @@
         </p:blipFill>
         <p:spPr>
           <a:xfrm>
-            <a:off x="4974886" y="3031182"/>
+            <a:off x="4816840" y="3031182"/>
             <a:ext cx="643547" cy="751808"/>
           </a:xfrm>
           <a:prstGeom prst="rect">
@@ -28075,7 +28197,7 @@
         </p:blipFill>
         <p:spPr>
           <a:xfrm>
-            <a:off x="7408914" y="1312908"/>
+            <a:off x="7679850" y="1312908"/>
             <a:ext cx="749998" cy="749998"/>
           </a:xfrm>
           <a:prstGeom prst="rect">
@@ -28111,7 +28233,7 @@
         </p:blipFill>
         <p:spPr>
           <a:xfrm>
-            <a:off x="863875" y="3215983"/>
+            <a:off x="683251" y="3215983"/>
             <a:ext cx="1190678" cy="1190678"/>
           </a:xfrm>
           <a:prstGeom prst="rect">
@@ -28147,7 +28269,7 @@
         </p:blipFill>
         <p:spPr>
           <a:xfrm>
-            <a:off x="7259246" y="2256246"/>
+            <a:off x="7530182" y="2256246"/>
             <a:ext cx="1051520" cy="1051520"/>
           </a:xfrm>
           <a:prstGeom prst="rect">
@@ -28157,10 +28279,10 @@
       </p:pic>
       <p:pic>
         <p:nvPicPr>
-          <p:cNvPr id="34" name="Image 33">
+          <p:cNvPr id="35" name="Image 34">
             <a:extLst>
               <a:ext uri="{FF2B5EF4-FFF2-40B4-BE49-F238E27FC236}">
-                <a16:creationId xmlns:a16="http://schemas.microsoft.com/office/drawing/2014/main" id="{40387B89-3B0B-4C26-BC9F-E77BA06B6804}"/>
+                <a16:creationId xmlns:a16="http://schemas.microsoft.com/office/drawing/2014/main" id="{8F159FED-1B30-48D4-82B2-D432AD9DEA6D}"/>
               </a:ext>
             </a:extLst>
           </p:cNvPr>
@@ -28183,8 +28305,8 @@
         </p:blipFill>
         <p:spPr>
           <a:xfrm>
-            <a:off x="6065324" y="3335809"/>
-            <a:ext cx="951027" cy="951027"/>
+            <a:off x="3905487" y="2991055"/>
+            <a:ext cx="774738" cy="774738"/>
           </a:xfrm>
           <a:prstGeom prst="rect">
             <a:avLst/>
@@ -28193,10 +28315,10 @@
       </p:pic>
       <p:pic>
         <p:nvPicPr>
-          <p:cNvPr id="35" name="Image 34">
+          <p:cNvPr id="36" name="Image 35">
             <a:extLst>
               <a:ext uri="{FF2B5EF4-FFF2-40B4-BE49-F238E27FC236}">
-                <a16:creationId xmlns:a16="http://schemas.microsoft.com/office/drawing/2014/main" id="{8F159FED-1B30-48D4-82B2-D432AD9DEA6D}"/>
+                <a16:creationId xmlns:a16="http://schemas.microsoft.com/office/drawing/2014/main" id="{0BA883A7-44A8-4583-9ECF-B5F1C8C0F99D}"/>
               </a:ext>
             </a:extLst>
           </p:cNvPr>
@@ -28219,8 +28341,8 @@
         </p:blipFill>
         <p:spPr>
           <a:xfrm>
-            <a:off x="4063533" y="2991055"/>
-            <a:ext cx="774738" cy="774738"/>
+            <a:off x="7534633" y="3437410"/>
+            <a:ext cx="1085649" cy="1085649"/>
           </a:xfrm>
           <a:prstGeom prst="rect">
             <a:avLst/>
@@ -28229,10 +28351,10 @@
       </p:pic>
       <p:pic>
         <p:nvPicPr>
-          <p:cNvPr id="36" name="Image 35">
+          <p:cNvPr id="37" name="Image 36">
             <a:extLst>
               <a:ext uri="{FF2B5EF4-FFF2-40B4-BE49-F238E27FC236}">
-                <a16:creationId xmlns:a16="http://schemas.microsoft.com/office/drawing/2014/main" id="{0BA883A7-44A8-4583-9ECF-B5F1C8C0F99D}"/>
+                <a16:creationId xmlns:a16="http://schemas.microsoft.com/office/drawing/2014/main" id="{1FA29C50-F4A6-4B26-A040-0AD0C27BFD9A}"/>
               </a:ext>
             </a:extLst>
           </p:cNvPr>
@@ -28255,8 +28377,8 @@
         </p:blipFill>
         <p:spPr>
           <a:xfrm>
-            <a:off x="7263697" y="3437410"/>
-            <a:ext cx="1085649" cy="1085649"/>
+            <a:off x="2536415" y="3273248"/>
+            <a:ext cx="654816" cy="657900"/>
           </a:xfrm>
           <a:prstGeom prst="rect">
             <a:avLst/>
@@ -28265,10 +28387,10 @@
       </p:pic>
       <p:pic>
         <p:nvPicPr>
-          <p:cNvPr id="37" name="Image 36">
+          <p:cNvPr id="38" name="Image 37">
             <a:extLst>
               <a:ext uri="{FF2B5EF4-FFF2-40B4-BE49-F238E27FC236}">
-                <a16:creationId xmlns:a16="http://schemas.microsoft.com/office/drawing/2014/main" id="{1FA29C50-F4A6-4B26-A040-0AD0C27BFD9A}"/>
+                <a16:creationId xmlns:a16="http://schemas.microsoft.com/office/drawing/2014/main" id="{C1DB07AF-D9ED-4FFD-9D74-1EAB4A1E5F7B}"/>
               </a:ext>
             </a:extLst>
           </p:cNvPr>
@@ -28291,8 +28413,8 @@
         </p:blipFill>
         <p:spPr>
           <a:xfrm>
-            <a:off x="2694461" y="3273248"/>
-            <a:ext cx="654816" cy="657900"/>
+            <a:off x="723601" y="1515998"/>
+            <a:ext cx="1184743" cy="1184743"/>
           </a:xfrm>
           <a:prstGeom prst="rect">
             <a:avLst/>
@@ -28301,10 +28423,10 @@
       </p:pic>
       <p:pic>
         <p:nvPicPr>
-          <p:cNvPr id="38" name="Image 37">
+          <p:cNvPr id="39" name="Image 38">
             <a:extLst>
               <a:ext uri="{FF2B5EF4-FFF2-40B4-BE49-F238E27FC236}">
-                <a16:creationId xmlns:a16="http://schemas.microsoft.com/office/drawing/2014/main" id="{C1DB07AF-D9ED-4FFD-9D74-1EAB4A1E5F7B}"/>
+                <a16:creationId xmlns:a16="http://schemas.microsoft.com/office/drawing/2014/main" id="{F9595E1F-8481-4673-A4BB-E401D6436E47}"/>
               </a:ext>
             </a:extLst>
           </p:cNvPr>
@@ -28327,8 +28449,8 @@
         </p:blipFill>
         <p:spPr>
           <a:xfrm>
-            <a:off x="904225" y="1515998"/>
-            <a:ext cx="1184743" cy="1184743"/>
+            <a:off x="2491040" y="1965864"/>
+            <a:ext cx="812756" cy="816142"/>
           </a:xfrm>
           <a:prstGeom prst="rect">
             <a:avLst/>
@@ -28337,10 +28459,10 @@
       </p:pic>
       <p:pic>
         <p:nvPicPr>
-          <p:cNvPr id="39" name="Image 38">
+          <p:cNvPr id="40" name="Image 39">
             <a:extLst>
               <a:ext uri="{FF2B5EF4-FFF2-40B4-BE49-F238E27FC236}">
-                <a16:creationId xmlns:a16="http://schemas.microsoft.com/office/drawing/2014/main" id="{F9595E1F-8481-4673-A4BB-E401D6436E47}"/>
+                <a16:creationId xmlns:a16="http://schemas.microsoft.com/office/drawing/2014/main" id="{32FED3EF-6830-443B-9706-BF900CBC60CC}"/>
               </a:ext>
             </a:extLst>
           </p:cNvPr>
@@ -28363,8 +28485,8 @@
         </p:blipFill>
         <p:spPr>
           <a:xfrm>
-            <a:off x="2649086" y="1965864"/>
-            <a:ext cx="812756" cy="816142"/>
+            <a:off x="3509021" y="2216441"/>
+            <a:ext cx="2054545" cy="683136"/>
           </a:xfrm>
           <a:prstGeom prst="rect">
             <a:avLst/>
@@ -28373,10 +28495,10 @@
       </p:pic>
       <p:pic>
         <p:nvPicPr>
-          <p:cNvPr id="40" name="Image 39">
+          <p:cNvPr id="3" name="Image 2">
             <a:extLst>
               <a:ext uri="{FF2B5EF4-FFF2-40B4-BE49-F238E27FC236}">
-                <a16:creationId xmlns:a16="http://schemas.microsoft.com/office/drawing/2014/main" id="{32FED3EF-6830-443B-9706-BF900CBC60CC}"/>
+                <a16:creationId xmlns:a16="http://schemas.microsoft.com/office/drawing/2014/main" id="{0061A7BC-E743-4435-B104-66D1BBFC1D8E}"/>
               </a:ext>
             </a:extLst>
           </p:cNvPr>
@@ -28386,21 +28508,15 @@
           <p:nvPr/>
         </p:nvPicPr>
         <p:blipFill>
-          <a:blip r:embed="rId14">
-            <a:extLst>
-              <a:ext uri="{28A0092B-C50C-407E-A947-70E740481C1C}">
-                <a14:useLocalDpi xmlns:a14="http://schemas.microsoft.com/office/drawing/2010/main" val="0"/>
-              </a:ext>
-            </a:extLst>
-          </a:blip>
+          <a:blip r:embed="rId14"/>
           <a:stretch>
             <a:fillRect/>
           </a:stretch>
         </p:blipFill>
         <p:spPr>
           <a:xfrm>
-            <a:off x="3667067" y="2216441"/>
-            <a:ext cx="2054545" cy="683136"/>
+            <a:off x="5883653" y="3134277"/>
+            <a:ext cx="929723" cy="929723"/>
           </a:xfrm>
           <a:prstGeom prst="rect">
             <a:avLst/>
@@ -30066,16 +30182,24 @@
           <a:lstStyle/>
           <a:p>
             <a:r>
-              <a:rPr lang="fr-FR" sz="2800" dirty="0"/>
+              <a:rPr lang="fr-FR" sz="2800" dirty="0">
+                <a:solidFill>
+                  <a:schemeClr val="accent1">
+                    <a:lumMod val="50000"/>
+                  </a:schemeClr>
+                </a:solidFill>
+              </a:rPr>
               <a:t>Maquette de la 2</a:t>
             </a:r>
             <a:r>
-              <a:rPr lang="fr-FR" sz="2800" baseline="30000" dirty="0"/>
+              <a:rPr lang="fr-FR" sz="2800" baseline="30000" dirty="0">
+                <a:solidFill>
+                  <a:schemeClr val="accent1">
+                    <a:lumMod val="50000"/>
+                  </a:schemeClr>
+                </a:solidFill>
+              </a:rPr>
               <a:t>ème</a:t>
-            </a:r>
-            <a:r>
-              <a:rPr lang="fr-FR" sz="2800" dirty="0"/>
-              <a:t> </a:t>
             </a:r>
             <a:r>
               <a:rPr lang="fr-FR" sz="2800" dirty="0">
@@ -30085,21 +30209,17 @@
                   </a:schemeClr>
                 </a:solidFill>
               </a:rPr>
-              <a:t>page</a:t>
-            </a:r>
-            <a:r>
-              <a:rPr lang="fr-FR" sz="2800" dirty="0"/>
-              <a:t> :</a:t>
+              <a:t> page :</a:t>
             </a:r>
           </a:p>
         </p:txBody>
       </p:sp>
       <p:pic>
         <p:nvPicPr>
-          <p:cNvPr id="11" name="Image 10">
+          <p:cNvPr id="4" name="Image 3">
             <a:extLst>
               <a:ext uri="{FF2B5EF4-FFF2-40B4-BE49-F238E27FC236}">
-                <a16:creationId xmlns:a16="http://schemas.microsoft.com/office/drawing/2014/main" id="{F9E7E231-8429-4613-B768-A7512E8CAE84}"/>
+                <a16:creationId xmlns:a16="http://schemas.microsoft.com/office/drawing/2014/main" id="{F045EDA2-98CB-4DEC-B70D-3F7CBFB3FDA1}"/>
               </a:ext>
             </a:extLst>
           </p:cNvPr>
@@ -30116,14 +30236,231 @@
         </p:blipFill>
         <p:spPr>
           <a:xfrm>
-            <a:off x="1205012" y="921900"/>
-            <a:ext cx="6733976" cy="4100479"/>
+            <a:off x="2564618" y="1090838"/>
+            <a:ext cx="6457520" cy="3775321"/>
           </a:xfrm>
           <a:prstGeom prst="rect">
             <a:avLst/>
           </a:prstGeom>
         </p:spPr>
       </p:pic>
+      <p:sp>
+        <p:nvSpPr>
+          <p:cNvPr id="2" name="ZoneTexte 1">
+            <a:extLst>
+              <a:ext uri="{FF2B5EF4-FFF2-40B4-BE49-F238E27FC236}">
+                <a16:creationId xmlns:a16="http://schemas.microsoft.com/office/drawing/2014/main" id="{4614F37A-D6D3-4281-A7F7-963A2EBF41B3}"/>
+              </a:ext>
+            </a:extLst>
+          </p:cNvPr>
+          <p:cNvSpPr txBox="1"/>
+          <p:nvPr/>
+        </p:nvSpPr>
+        <p:spPr>
+          <a:xfrm>
+            <a:off x="121863" y="2111652"/>
+            <a:ext cx="2442754" cy="523220"/>
+          </a:xfrm>
+          <a:prstGeom prst="rect">
+            <a:avLst/>
+          </a:prstGeom>
+          <a:noFill/>
+        </p:spPr>
+        <p:txBody>
+          <a:bodyPr wrap="square" rtlCol="0">
+            <a:spAutoFit/>
+          </a:bodyPr>
+          <a:lstStyle/>
+          <a:p>
+            <a:r>
+              <a:rPr lang="fr-FR" dirty="0"/>
+              <a:t>Couleurs utilisés sur le site (Hexa) :</a:t>
+            </a:r>
+          </a:p>
+        </p:txBody>
+      </p:sp>
+      <p:sp>
+        <p:nvSpPr>
+          <p:cNvPr id="5" name="Ellipse 4">
+            <a:extLst>
+              <a:ext uri="{FF2B5EF4-FFF2-40B4-BE49-F238E27FC236}">
+                <a16:creationId xmlns:a16="http://schemas.microsoft.com/office/drawing/2014/main" id="{64A9BD39-0CFF-45E3-AE01-53710CF509A7}"/>
+              </a:ext>
+            </a:extLst>
+          </p:cNvPr>
+          <p:cNvSpPr/>
+          <p:nvPr/>
+        </p:nvSpPr>
+        <p:spPr>
+          <a:xfrm>
+            <a:off x="290285" y="2713282"/>
+            <a:ext cx="666044" cy="416842"/>
+          </a:xfrm>
+          <a:prstGeom prst="ellipse">
+            <a:avLst/>
+          </a:prstGeom>
+          <a:solidFill>
+            <a:schemeClr val="accent6"/>
+          </a:solidFill>
+          <a:ln>
+            <a:solidFill>
+              <a:schemeClr val="bg1">
+                <a:lumMod val="50000"/>
+              </a:schemeClr>
+            </a:solidFill>
+          </a:ln>
+        </p:spPr>
+        <p:style>
+          <a:lnRef idx="2">
+            <a:schemeClr val="accent1">
+              <a:shade val="50000"/>
+            </a:schemeClr>
+          </a:lnRef>
+          <a:fillRef idx="1">
+            <a:schemeClr val="accent1"/>
+          </a:fillRef>
+          <a:effectRef idx="0">
+            <a:schemeClr val="accent1"/>
+          </a:effectRef>
+          <a:fontRef idx="minor">
+            <a:schemeClr val="lt1"/>
+          </a:fontRef>
+        </p:style>
+        <p:txBody>
+          <a:bodyPr rtlCol="0" anchor="ctr"/>
+          <a:lstStyle/>
+          <a:p>
+            <a:pPr algn="ctr"/>
+            <a:endParaRPr lang="fr-FR"/>
+          </a:p>
+        </p:txBody>
+      </p:sp>
+      <p:sp>
+        <p:nvSpPr>
+          <p:cNvPr id="6" name="ZoneTexte 5">
+            <a:extLst>
+              <a:ext uri="{FF2B5EF4-FFF2-40B4-BE49-F238E27FC236}">
+                <a16:creationId xmlns:a16="http://schemas.microsoft.com/office/drawing/2014/main" id="{37A3A0C1-57C7-4AD7-A8F0-7AC4E8485A98}"/>
+              </a:ext>
+            </a:extLst>
+          </p:cNvPr>
+          <p:cNvSpPr txBox="1"/>
+          <p:nvPr/>
+        </p:nvSpPr>
+        <p:spPr>
+          <a:xfrm>
+            <a:off x="1095022" y="2767815"/>
+            <a:ext cx="1038577" cy="307777"/>
+          </a:xfrm>
+          <a:prstGeom prst="rect">
+            <a:avLst/>
+          </a:prstGeom>
+          <a:noFill/>
+        </p:spPr>
+        <p:txBody>
+          <a:bodyPr wrap="square" rtlCol="0">
+            <a:spAutoFit/>
+          </a:bodyPr>
+          <a:lstStyle/>
+          <a:p>
+            <a:r>
+              <a:rPr lang="fr-FR" dirty="0"/>
+              <a:t>FFFFFF</a:t>
+            </a:r>
+          </a:p>
+        </p:txBody>
+      </p:sp>
+      <p:sp>
+        <p:nvSpPr>
+          <p:cNvPr id="9" name="ZoneTexte 8">
+            <a:extLst>
+              <a:ext uri="{FF2B5EF4-FFF2-40B4-BE49-F238E27FC236}">
+                <a16:creationId xmlns:a16="http://schemas.microsoft.com/office/drawing/2014/main" id="{915F8454-DDED-416D-BABE-706D26553848}"/>
+              </a:ext>
+            </a:extLst>
+          </p:cNvPr>
+          <p:cNvSpPr txBox="1"/>
+          <p:nvPr/>
+        </p:nvSpPr>
+        <p:spPr>
+          <a:xfrm>
+            <a:off x="1106310" y="3421519"/>
+            <a:ext cx="1038577" cy="307777"/>
+          </a:xfrm>
+          <a:prstGeom prst="rect">
+            <a:avLst/>
+          </a:prstGeom>
+          <a:noFill/>
+        </p:spPr>
+        <p:txBody>
+          <a:bodyPr wrap="square" rtlCol="0">
+            <a:spAutoFit/>
+          </a:bodyPr>
+          <a:lstStyle/>
+          <a:p>
+            <a:r>
+              <a:rPr lang="fr-FR" dirty="0"/>
+              <a:t>318B8E</a:t>
+            </a:r>
+          </a:p>
+        </p:txBody>
+      </p:sp>
+      <p:sp>
+        <p:nvSpPr>
+          <p:cNvPr id="10" name="Ellipse 9">
+            <a:extLst>
+              <a:ext uri="{FF2B5EF4-FFF2-40B4-BE49-F238E27FC236}">
+                <a16:creationId xmlns:a16="http://schemas.microsoft.com/office/drawing/2014/main" id="{93A6097F-A295-4C6E-A2CE-334C3F0112A5}"/>
+              </a:ext>
+            </a:extLst>
+          </p:cNvPr>
+          <p:cNvSpPr/>
+          <p:nvPr/>
+        </p:nvSpPr>
+        <p:spPr>
+          <a:xfrm>
+            <a:off x="303049" y="3360997"/>
+            <a:ext cx="666044" cy="416842"/>
+          </a:xfrm>
+          <a:prstGeom prst="ellipse">
+            <a:avLst/>
+          </a:prstGeom>
+          <a:solidFill>
+            <a:srgbClr val="318B8E"/>
+          </a:solidFill>
+          <a:ln>
+            <a:solidFill>
+              <a:schemeClr val="bg1">
+                <a:lumMod val="50000"/>
+              </a:schemeClr>
+            </a:solidFill>
+          </a:ln>
+        </p:spPr>
+        <p:style>
+          <a:lnRef idx="2">
+            <a:schemeClr val="accent1">
+              <a:shade val="50000"/>
+            </a:schemeClr>
+          </a:lnRef>
+          <a:fillRef idx="1">
+            <a:schemeClr val="accent1"/>
+          </a:fillRef>
+          <a:effectRef idx="0">
+            <a:schemeClr val="accent1"/>
+          </a:effectRef>
+          <a:fontRef idx="minor">
+            <a:schemeClr val="lt1"/>
+          </a:fontRef>
+        </p:style>
+        <p:txBody>
+          <a:bodyPr rtlCol="0" anchor="ctr"/>
+          <a:lstStyle/>
+          <a:p>
+            <a:pPr algn="ctr"/>
+            <a:endParaRPr lang="fr-FR"/>
+          </a:p>
+        </p:txBody>
+      </p:sp>
     </p:spTree>
     <p:extLst>
       <p:ext uri="{BB962C8B-B14F-4D97-AF65-F5344CB8AC3E}">
@@ -32544,7 +32881,7 @@
           </a:bodyPr>
           <a:lstStyle/>
           <a:p>
-            <a:pPr marL="0" lvl="0" indent="0">
+            <a:pPr marL="0" lvl="0" indent="0" algn="just">
               <a:buSzPts val="1100"/>
               <a:buNone/>
             </a:pPr>
@@ -32601,11 +32938,11 @@
                   </a:schemeClr>
                 </a:solidFill>
               </a:rPr>
-              <a:t>, comme des vols moins chers ou des itinéraires ou hôtels/auberges moins coûteux. </a:t>
+              <a:t>. </a:t>
             </a:r>
           </a:p>
           <a:p>
-            <a:pPr marL="0" lvl="0" indent="0">
+            <a:pPr marL="0" lvl="0" indent="0" algn="just">
               <a:buSzPts val="1100"/>
               <a:buNone/>
             </a:pPr>
@@ -32628,7 +32965,24 @@
                   </a:schemeClr>
                 </a:solidFill>
               </a:rPr>
-              <a:t>Les fonctionnalités primordiales doivent cependant pointer sur une recherche simple et rapide ainsi qu’une manière claire pour créer des contenus, soient ils articles, commentaires ou photos. =&gt; </a:t>
+              <a:t>Les fonctionnalités primordiales : recherche simple et rapide ainsi qu’une manière claire pour créer des contenus, soient ils articles, commentaires ou photos.</a:t>
+            </a:r>
+          </a:p>
+          <a:p>
+            <a:pPr marL="0" lvl="0" indent="0">
+              <a:buSzPts val="1100"/>
+              <a:buNone/>
+            </a:pPr>
+            <a:r>
+              <a:rPr lang="fr-FR" dirty="0">
+                <a:solidFill>
+                  <a:schemeClr val="tx1">
+                    <a:lumMod val="75000"/>
+                    <a:lumOff val="25000"/>
+                  </a:schemeClr>
+                </a:solidFill>
+              </a:rPr>
+              <a:t> =&gt; </a:t>
             </a:r>
             <a:r>
               <a:rPr lang="en-US" dirty="0"/>
